--- a/Jenkins.pptx
+++ b/Jenkins.pptx
@@ -195,7 +195,7 @@
           <a:p>
             <a:fld id="{34F47978-E355-4E26-9032-77A51AF2C4B7}" type="datetimeFigureOut">
               <a:rPr kumimoji="1" lang="ja-JP" altLang="en-US" smtClean="0"/>
-              <a:t>2015/11/17</a:t>
+              <a:t>2015/11/18</a:t>
             </a:fld>
             <a:endParaRPr kumimoji="1" lang="ja-JP" altLang="en-US"/>
           </a:p>
@@ -771,7 +771,7 @@
           <a:p>
             <a:fld id="{FC2194C7-96E3-465C-9B1A-D25E59D01DEA}" type="datetimeFigureOut">
               <a:rPr kumimoji="1" lang="ja-JP" altLang="en-US" smtClean="0"/>
-              <a:t>2015/11/17</a:t>
+              <a:t>2015/11/18</a:t>
             </a:fld>
             <a:endParaRPr kumimoji="1" lang="ja-JP" altLang="en-US"/>
           </a:p>
@@ -968,7 +968,7 @@
           <a:p>
             <a:fld id="{FC2194C7-96E3-465C-9B1A-D25E59D01DEA}" type="datetimeFigureOut">
               <a:rPr kumimoji="1" lang="ja-JP" altLang="en-US" smtClean="0"/>
-              <a:t>2015/11/17</a:t>
+              <a:t>2015/11/18</a:t>
             </a:fld>
             <a:endParaRPr kumimoji="1" lang="ja-JP" altLang="en-US"/>
           </a:p>
@@ -1175,7 +1175,7 @@
           <a:p>
             <a:fld id="{FC2194C7-96E3-465C-9B1A-D25E59D01DEA}" type="datetimeFigureOut">
               <a:rPr kumimoji="1" lang="ja-JP" altLang="en-US" smtClean="0"/>
-              <a:t>2015/11/17</a:t>
+              <a:t>2015/11/18</a:t>
             </a:fld>
             <a:endParaRPr kumimoji="1" lang="ja-JP" altLang="en-US"/>
           </a:p>
@@ -1390,7 +1390,7 @@
           <a:p>
             <a:fld id="{FC2194C7-96E3-465C-9B1A-D25E59D01DEA}" type="datetimeFigureOut">
               <a:rPr kumimoji="1" lang="ja-JP" altLang="en-US" smtClean="0"/>
-              <a:t>2015/11/17</a:t>
+              <a:t>2015/11/18</a:t>
             </a:fld>
             <a:endParaRPr kumimoji="1" lang="ja-JP" altLang="en-US"/>
           </a:p>
@@ -1652,7 +1652,7 @@
           <a:p>
             <a:fld id="{FC2194C7-96E3-465C-9B1A-D25E59D01DEA}" type="datetimeFigureOut">
               <a:rPr kumimoji="1" lang="ja-JP" altLang="en-US" smtClean="0"/>
-              <a:t>2015/11/17</a:t>
+              <a:t>2015/11/18</a:t>
             </a:fld>
             <a:endParaRPr kumimoji="1" lang="ja-JP" altLang="en-US"/>
           </a:p>
@@ -2032,7 +2032,7 @@
           <a:p>
             <a:fld id="{FC2194C7-96E3-465C-9B1A-D25E59D01DEA}" type="datetimeFigureOut">
               <a:rPr kumimoji="1" lang="ja-JP" altLang="en-US" smtClean="0"/>
-              <a:t>2015/11/17</a:t>
+              <a:t>2015/11/18</a:t>
             </a:fld>
             <a:endParaRPr kumimoji="1" lang="ja-JP" altLang="en-US"/>
           </a:p>
@@ -2372,7 +2372,7 @@
           <a:p>
             <a:fld id="{FC2194C7-96E3-465C-9B1A-D25E59D01DEA}" type="datetimeFigureOut">
               <a:rPr kumimoji="1" lang="ja-JP" altLang="en-US" smtClean="0"/>
-              <a:t>2015/11/17</a:t>
+              <a:t>2015/11/18</a:t>
             </a:fld>
             <a:endParaRPr kumimoji="1" lang="ja-JP" altLang="en-US"/>
           </a:p>
@@ -2663,7 +2663,7 @@
           <a:p>
             <a:fld id="{FC2194C7-96E3-465C-9B1A-D25E59D01DEA}" type="datetimeFigureOut">
               <a:rPr kumimoji="1" lang="ja-JP" altLang="en-US" smtClean="0"/>
-              <a:t>2015/11/17</a:t>
+              <a:t>2015/11/18</a:t>
             </a:fld>
             <a:endParaRPr kumimoji="1" lang="ja-JP" altLang="en-US"/>
           </a:p>
@@ -2753,7 +2753,7 @@
           <a:p>
             <a:fld id="{FC2194C7-96E3-465C-9B1A-D25E59D01DEA}" type="datetimeFigureOut">
               <a:rPr kumimoji="1" lang="ja-JP" altLang="en-US" smtClean="0"/>
-              <a:t>2015/11/17</a:t>
+              <a:t>2015/11/18</a:t>
             </a:fld>
             <a:endParaRPr kumimoji="1" lang="ja-JP" altLang="en-US"/>
           </a:p>
@@ -3073,7 +3073,7 @@
           <a:p>
             <a:fld id="{FC2194C7-96E3-465C-9B1A-D25E59D01DEA}" type="datetimeFigureOut">
               <a:rPr kumimoji="1" lang="ja-JP" altLang="en-US" smtClean="0"/>
-              <a:t>2015/11/17</a:t>
+              <a:t>2015/11/18</a:t>
             </a:fld>
             <a:endParaRPr kumimoji="1" lang="ja-JP" altLang="en-US"/>
           </a:p>
@@ -3342,7 +3342,7 @@
           <a:p>
             <a:fld id="{FC2194C7-96E3-465C-9B1A-D25E59D01DEA}" type="datetimeFigureOut">
               <a:rPr kumimoji="1" lang="ja-JP" altLang="en-US" smtClean="0"/>
-              <a:t>2015/11/17</a:t>
+              <a:t>2015/11/18</a:t>
             </a:fld>
             <a:endParaRPr kumimoji="1" lang="ja-JP" altLang="en-US"/>
           </a:p>
@@ -3584,7 +3584,7 @@
           <a:p>
             <a:fld id="{FC2194C7-96E3-465C-9B1A-D25E59D01DEA}" type="datetimeFigureOut">
               <a:rPr kumimoji="1" lang="ja-JP" altLang="en-US" smtClean="0"/>
-              <a:t>2015/11/17</a:t>
+              <a:t>2015/11/18</a:t>
             </a:fld>
             <a:endParaRPr kumimoji="1" lang="ja-JP" altLang="en-US"/>
           </a:p>
@@ -4740,17 +4740,7 @@
                 <a:latin typeface="ＭＳ Ｐ明朝" panose="02020600040205080304" pitchFamily="18" charset="-128"/>
                 <a:ea typeface="ＭＳ Ｐ明朝" panose="02020600040205080304" pitchFamily="18" charset="-128"/>
               </a:rPr>
-              <a:t>　　</a:t>
-            </a:r>
-            <a:r>
-              <a:rPr lang="ja-JP" altLang="en-US" sz="1600" dirty="0" smtClean="0">
-                <a:solidFill>
-                  <a:schemeClr val="tx1"/>
-                </a:solidFill>
-                <a:latin typeface="ＭＳ Ｐ明朝" panose="02020600040205080304" pitchFamily="18" charset="-128"/>
-                <a:ea typeface="ＭＳ Ｐ明朝" panose="02020600040205080304" pitchFamily="18" charset="-128"/>
-              </a:rPr>
-              <a:t>テスト</a:t>
+              <a:t>　　テスト</a:t>
             </a:r>
             <a:r>
               <a:rPr lang="ja-JP" altLang="en-US" sz="1600" dirty="0">
@@ -5497,10 +5487,147 @@
                 <a:latin typeface="ＭＳ Ｐ明朝" panose="02020600040205080304" pitchFamily="18" charset="-128"/>
                 <a:ea typeface="ＭＳ Ｐ明朝" panose="02020600040205080304" pitchFamily="18" charset="-128"/>
               </a:rPr>
+              <a:t>　・</a:t>
+            </a:r>
+            <a:r>
+              <a:rPr lang="en-US" altLang="ja-JP" sz="1600" dirty="0">
+                <a:solidFill>
+                  <a:schemeClr val="tx1"/>
+                </a:solidFill>
+                <a:latin typeface="ＭＳ Ｐ明朝" panose="02020600040205080304" pitchFamily="18" charset="-128"/>
+                <a:ea typeface="ＭＳ Ｐ明朝" panose="02020600040205080304" pitchFamily="18" charset="-128"/>
+              </a:rPr>
+              <a:t>Web</a:t>
+            </a:r>
+            <a:r>
+              <a:rPr lang="ja-JP" altLang="en-US" sz="1600" dirty="0">
+                <a:solidFill>
+                  <a:schemeClr val="tx1"/>
+                </a:solidFill>
+                <a:latin typeface="ＭＳ Ｐ明朝" panose="02020600040205080304" pitchFamily="18" charset="-128"/>
+                <a:ea typeface="ＭＳ Ｐ明朝" panose="02020600040205080304" pitchFamily="18" charset="-128"/>
+              </a:rPr>
+              <a:t>ブラウザだけで操作できる</a:t>
+            </a:r>
+          </a:p>
+          <a:p>
+            <a:pPr marL="0" indent="0">
+              <a:buNone/>
+            </a:pPr>
+            <a:r>
+              <a:rPr lang="ja-JP" altLang="en-US" sz="1600" dirty="0" smtClean="0">
+                <a:solidFill>
+                  <a:schemeClr val="tx1"/>
+                </a:solidFill>
+                <a:latin typeface="ＭＳ Ｐ明朝" panose="02020600040205080304" pitchFamily="18" charset="-128"/>
+                <a:ea typeface="ＭＳ Ｐ明朝" panose="02020600040205080304" pitchFamily="18" charset="-128"/>
+              </a:rPr>
+              <a:t>　　・</a:t>
+            </a:r>
+            <a:r>
+              <a:rPr lang="ja-JP" altLang="en-US" sz="1600" dirty="0">
+                <a:solidFill>
+                  <a:schemeClr val="tx1"/>
+                </a:solidFill>
+                <a:latin typeface="ＭＳ Ｐ明朝" panose="02020600040205080304" pitchFamily="18" charset="-128"/>
+                <a:ea typeface="ＭＳ Ｐ明朝" panose="02020600040205080304" pitchFamily="18" charset="-128"/>
+              </a:rPr>
+              <a:t>大規模でも複数環境でも対応できる</a:t>
+            </a:r>
+          </a:p>
+          <a:p>
+            <a:pPr marL="0" indent="0">
+              <a:buNone/>
+            </a:pPr>
+            <a:r>
+              <a:rPr lang="ja-JP" altLang="en-US" sz="1600" dirty="0" smtClean="0">
+                <a:solidFill>
+                  <a:schemeClr val="tx1"/>
+                </a:solidFill>
+                <a:latin typeface="ＭＳ Ｐ明朝" panose="02020600040205080304" pitchFamily="18" charset="-128"/>
+                <a:ea typeface="ＭＳ Ｐ明朝" panose="02020600040205080304" pitchFamily="18" charset="-128"/>
+              </a:rPr>
+              <a:t>　　・</a:t>
+            </a:r>
+            <a:r>
+              <a:rPr lang="ja-JP" altLang="en-US" sz="1600" dirty="0">
+                <a:solidFill>
+                  <a:schemeClr val="tx1"/>
+                </a:solidFill>
+                <a:latin typeface="ＭＳ Ｐ明朝" panose="02020600040205080304" pitchFamily="18" charset="-128"/>
+                <a:ea typeface="ＭＳ Ｐ明朝" panose="02020600040205080304" pitchFamily="18" charset="-128"/>
+              </a:rPr>
+              <a:t>プラグインで機能を追加できる</a:t>
+            </a:r>
+          </a:p>
+          <a:p>
+            <a:pPr marL="0" indent="0">
+              <a:buNone/>
+            </a:pPr>
+            <a:r>
+              <a:rPr lang="ja-JP" altLang="en-US" sz="1600" dirty="0" smtClean="0">
+                <a:solidFill>
+                  <a:schemeClr val="tx1"/>
+                </a:solidFill>
+                <a:latin typeface="ＭＳ Ｐ明朝" panose="02020600040205080304" pitchFamily="18" charset="-128"/>
+                <a:ea typeface="ＭＳ Ｐ明朝" panose="02020600040205080304" pitchFamily="18" charset="-128"/>
+              </a:rPr>
+              <a:t>　　・</a:t>
+            </a:r>
+            <a:r>
+              <a:rPr lang="ja-JP" altLang="en-US" sz="1600" dirty="0">
+                <a:solidFill>
+                  <a:schemeClr val="tx1"/>
+                </a:solidFill>
+                <a:latin typeface="ＭＳ Ｐ明朝" panose="02020600040205080304" pitchFamily="18" charset="-128"/>
+                <a:ea typeface="ＭＳ Ｐ明朝" panose="02020600040205080304" pitchFamily="18" charset="-128"/>
+              </a:rPr>
+              <a:t>オープンソースで公開されている</a:t>
+            </a:r>
+            <a:r>
+              <a:rPr lang="ja-JP" altLang="en-US" sz="1600" dirty="0" smtClean="0">
+                <a:solidFill>
+                  <a:schemeClr val="tx1"/>
+                </a:solidFill>
+                <a:latin typeface="ＭＳ Ｐ明朝" panose="02020600040205080304" pitchFamily="18" charset="-128"/>
+                <a:ea typeface="ＭＳ Ｐ明朝" panose="02020600040205080304" pitchFamily="18" charset="-128"/>
+              </a:rPr>
+              <a:t>。</a:t>
+            </a:r>
+            <a:endParaRPr lang="en-US" altLang="ja-JP" sz="1600" dirty="0" smtClean="0">
+              <a:solidFill>
+                <a:schemeClr val="tx1"/>
+              </a:solidFill>
+              <a:latin typeface="ＭＳ Ｐ明朝" panose="02020600040205080304" pitchFamily="18" charset="-128"/>
+              <a:ea typeface="ＭＳ Ｐ明朝" panose="02020600040205080304" pitchFamily="18" charset="-128"/>
+            </a:endParaRPr>
+          </a:p>
+          <a:p>
+            <a:pPr marL="0" indent="0">
+              <a:buNone/>
+            </a:pPr>
+            <a:r>
+              <a:rPr lang="ja-JP" altLang="en-US" sz="1600" dirty="0">
+                <a:solidFill>
+                  <a:schemeClr val="tx1"/>
+                </a:solidFill>
+                <a:latin typeface="ＭＳ Ｐ明朝" panose="02020600040205080304" pitchFamily="18" charset="-128"/>
+                <a:ea typeface="ＭＳ Ｐ明朝" panose="02020600040205080304" pitchFamily="18" charset="-128"/>
+              </a:rPr>
               <a:t>　</a:t>
             </a:r>
             <a:r>
-              <a:rPr lang="ja-JP" altLang="en-US" sz="1600" dirty="0" smtClean="0">
+              <a:rPr lang="ja-JP" altLang="en-US" sz="1600">
+                <a:solidFill>
+                  <a:schemeClr val="tx1"/>
+                </a:solidFill>
+                <a:latin typeface="ＭＳ Ｐ明朝" panose="02020600040205080304" pitchFamily="18" charset="-128"/>
+                <a:ea typeface="ＭＳ Ｐ明朝" panose="02020600040205080304" pitchFamily="18" charset="-128"/>
+              </a:rPr>
+              <a:t>　</a:t>
+            </a:r>
+            <a:r>
+              <a:rPr lang="ja-JP" altLang="en-US" sz="1600">
                 <a:solidFill>
                   <a:schemeClr val="tx1"/>
                 </a:solidFill>
@@ -5509,112 +5636,7 @@
               </a:rPr>
               <a:t>・</a:t>
             </a:r>
-            <a:r>
-              <a:rPr lang="en-US" altLang="ja-JP" sz="1600" dirty="0">
-                <a:solidFill>
-                  <a:schemeClr val="tx1"/>
-                </a:solidFill>
-                <a:latin typeface="ＭＳ Ｐ明朝" panose="02020600040205080304" pitchFamily="18" charset="-128"/>
-                <a:ea typeface="ＭＳ Ｐ明朝" panose="02020600040205080304" pitchFamily="18" charset="-128"/>
-              </a:rPr>
-              <a:t>Web</a:t>
-            </a:r>
-            <a:r>
-              <a:rPr lang="ja-JP" altLang="en-US" sz="1600" dirty="0">
-                <a:solidFill>
-                  <a:schemeClr val="tx1"/>
-                </a:solidFill>
-                <a:latin typeface="ＭＳ Ｐ明朝" panose="02020600040205080304" pitchFamily="18" charset="-128"/>
-                <a:ea typeface="ＭＳ Ｐ明朝" panose="02020600040205080304" pitchFamily="18" charset="-128"/>
-              </a:rPr>
-              <a:t>ブラウザだけで操作できる</a:t>
-            </a:r>
-          </a:p>
-          <a:p>
-            <a:pPr marL="0" indent="0">
-              <a:buNone/>
-            </a:pPr>
-            <a:r>
-              <a:rPr lang="ja-JP" altLang="en-US" sz="1600" dirty="0" smtClean="0">
-                <a:solidFill>
-                  <a:schemeClr val="tx1"/>
-                </a:solidFill>
-                <a:latin typeface="ＭＳ Ｐ明朝" panose="02020600040205080304" pitchFamily="18" charset="-128"/>
-                <a:ea typeface="ＭＳ Ｐ明朝" panose="02020600040205080304" pitchFamily="18" charset="-128"/>
-              </a:rPr>
-              <a:t>　　・</a:t>
-            </a:r>
-            <a:r>
-              <a:rPr lang="ja-JP" altLang="en-US" sz="1600" dirty="0">
-                <a:solidFill>
-                  <a:schemeClr val="tx1"/>
-                </a:solidFill>
-                <a:latin typeface="ＭＳ Ｐ明朝" panose="02020600040205080304" pitchFamily="18" charset="-128"/>
-                <a:ea typeface="ＭＳ Ｐ明朝" panose="02020600040205080304" pitchFamily="18" charset="-128"/>
-              </a:rPr>
-              <a:t>大規模でも複数環境でも対応できる</a:t>
-            </a:r>
-          </a:p>
-          <a:p>
-            <a:pPr marL="0" indent="0">
-              <a:buNone/>
-            </a:pPr>
-            <a:r>
-              <a:rPr lang="ja-JP" altLang="en-US" sz="1600" dirty="0" smtClean="0">
-                <a:solidFill>
-                  <a:schemeClr val="tx1"/>
-                </a:solidFill>
-                <a:latin typeface="ＭＳ Ｐ明朝" panose="02020600040205080304" pitchFamily="18" charset="-128"/>
-                <a:ea typeface="ＭＳ Ｐ明朝" panose="02020600040205080304" pitchFamily="18" charset="-128"/>
-              </a:rPr>
-              <a:t>　　・</a:t>
-            </a:r>
-            <a:r>
-              <a:rPr lang="ja-JP" altLang="en-US" sz="1600" dirty="0">
-                <a:solidFill>
-                  <a:schemeClr val="tx1"/>
-                </a:solidFill>
-                <a:latin typeface="ＭＳ Ｐ明朝" panose="02020600040205080304" pitchFamily="18" charset="-128"/>
-                <a:ea typeface="ＭＳ Ｐ明朝" panose="02020600040205080304" pitchFamily="18" charset="-128"/>
-              </a:rPr>
-              <a:t>プラグインで機能を追加できる</a:t>
-            </a:r>
-          </a:p>
-          <a:p>
-            <a:pPr marL="0" indent="0">
-              <a:buNone/>
-            </a:pPr>
-            <a:r>
-              <a:rPr lang="ja-JP" altLang="en-US" sz="1600" dirty="0" smtClean="0">
-                <a:solidFill>
-                  <a:schemeClr val="tx1"/>
-                </a:solidFill>
-                <a:latin typeface="ＭＳ Ｐ明朝" panose="02020600040205080304" pitchFamily="18" charset="-128"/>
-                <a:ea typeface="ＭＳ Ｐ明朝" panose="02020600040205080304" pitchFamily="18" charset="-128"/>
-              </a:rPr>
-              <a:t>　　・</a:t>
-            </a:r>
-            <a:r>
-              <a:rPr lang="ja-JP" altLang="en-US" sz="1600" dirty="0">
-                <a:solidFill>
-                  <a:schemeClr val="tx1"/>
-                </a:solidFill>
-                <a:latin typeface="ＭＳ Ｐ明朝" panose="02020600040205080304" pitchFamily="18" charset="-128"/>
-                <a:ea typeface="ＭＳ Ｐ明朝" panose="02020600040205080304" pitchFamily="18" charset="-128"/>
-              </a:rPr>
-              <a:t>オープンソースで公開されている</a:t>
-            </a:r>
-            <a:r>
-              <a:rPr lang="ja-JP" altLang="en-US" sz="1600" dirty="0" smtClean="0">
-                <a:solidFill>
-                  <a:schemeClr val="tx1"/>
-                </a:solidFill>
-                <a:latin typeface="ＭＳ Ｐ明朝" panose="02020600040205080304" pitchFamily="18" charset="-128"/>
-                <a:ea typeface="ＭＳ Ｐ明朝" panose="02020600040205080304" pitchFamily="18" charset="-128"/>
-              </a:rPr>
-              <a:t>。</a:t>
-            </a:r>
-            <a:endParaRPr kumimoji="1" lang="ja-JP" altLang="en-US" sz="1600" dirty="0">
+            <a:endParaRPr lang="en-US" altLang="ja-JP" sz="1600" smtClean="0">
               <a:solidFill>
                 <a:schemeClr val="tx1"/>
               </a:solidFill>

--- a/Jenkins.pptx
+++ b/Jenkins.pptx
@@ -5,13 +5,14 @@
     <p:sldMasterId id="2147483840" r:id="rId1"/>
   </p:sldMasterIdLst>
   <p:notesMasterIdLst>
-    <p:notesMasterId r:id="rId6"/>
+    <p:notesMasterId r:id="rId7"/>
   </p:notesMasterIdLst>
   <p:sldIdLst>
     <p:sldId id="256" r:id="rId2"/>
     <p:sldId id="257" r:id="rId3"/>
     <p:sldId id="258" r:id="rId4"/>
     <p:sldId id="260" r:id="rId5"/>
+    <p:sldId id="261" r:id="rId6"/>
   </p:sldIdLst>
   <p:sldSz cx="9144000" cy="6858000" type="screen4x3"/>
   <p:notesSz cx="6858000" cy="9144000"/>
@@ -4516,47 +4517,6 @@
           <a:chExt cx="0" cy="0"/>
         </a:xfrm>
       </p:grpSpPr>
-      <p:pic>
-        <p:nvPicPr>
-          <p:cNvPr id="14" name="図 13" descr="http://itpro.nikkeibp.co.jp/article/COLUMN/20131017/511818/zu01_s.gif"/>
-          <p:cNvPicPr>
-            <a:picLocks noChangeAspect="1" noChangeArrowheads="1"/>
-          </p:cNvPicPr>
-          <p:nvPr/>
-        </p:nvPicPr>
-        <p:blipFill>
-          <a:blip r:embed="rId3">
-            <a:extLst>
-              <a:ext uri="{28A0092B-C50C-407E-A947-70E740481C1C}">
-                <a14:useLocalDpi xmlns:a14="http://schemas.microsoft.com/office/drawing/2010/main" val="0"/>
-              </a:ext>
-            </a:extLst>
-          </a:blip>
-          <a:srcRect/>
-          <a:stretch>
-            <a:fillRect/>
-          </a:stretch>
-        </p:blipFill>
-        <p:spPr bwMode="auto">
-          <a:xfrm>
-            <a:off x="1682534" y="3928672"/>
-            <a:ext cx="5553761" cy="2884704"/>
-          </a:xfrm>
-          <a:prstGeom prst="rect">
-            <a:avLst/>
-          </a:prstGeom>
-          <a:noFill/>
-          <a:extLst>
-            <a:ext uri="{909E8E84-426E-40DD-AFC4-6F175D3DCCD1}">
-              <a14:hiddenFill xmlns:a14="http://schemas.microsoft.com/office/drawing/2010/main">
-                <a:solidFill>
-                  <a:srgbClr val="FFFFFF"/>
-                </a:solidFill>
-              </a14:hiddenFill>
-            </a:ext>
-          </a:extLst>
-        </p:spPr>
-      </p:pic>
       <p:sp>
         <p:nvSpPr>
           <p:cNvPr id="3" name="コンテンツ プレースホルダー 2"/>
@@ -4786,16 +4746,16 @@
       </p:sp>
       <p:grpSp>
         <p:nvGrpSpPr>
-          <p:cNvPr id="11" name="グループ化 10"/>
+          <p:cNvPr id="4" name="グループ化 3"/>
           <p:cNvGrpSpPr/>
           <p:nvPr/>
         </p:nvGrpSpPr>
         <p:grpSpPr>
           <a:xfrm>
-            <a:off x="1278288" y="1768608"/>
-            <a:ext cx="4446708" cy="1564255"/>
-            <a:chOff x="1187624" y="2492896"/>
-            <a:chExt cx="4752528" cy="1800200"/>
+            <a:off x="1278288" y="2008763"/>
+            <a:ext cx="4446708" cy="1564253"/>
+            <a:chOff x="1278288" y="1768606"/>
+            <a:chExt cx="4446708" cy="1564253"/>
           </a:xfrm>
         </p:grpSpPr>
         <p:sp>
@@ -4806,8 +4766,8 @@
           </p:nvSpPr>
           <p:spPr>
             <a:xfrm>
-              <a:off x="1187624" y="2492896"/>
-              <a:ext cx="4752528" cy="1800200"/>
+              <a:off x="1278288" y="1768606"/>
+              <a:ext cx="4446708" cy="1564253"/>
             </a:xfrm>
             <a:prstGeom prst="rect">
               <a:avLst/>
@@ -4852,8 +4812,8 @@
           </p:nvSpPr>
           <p:spPr>
             <a:xfrm>
-              <a:off x="1619672" y="2689388"/>
-              <a:ext cx="1800200" cy="432048"/>
+              <a:off x="1682534" y="1997732"/>
+              <a:ext cx="1684359" cy="375421"/>
             </a:xfrm>
             <a:prstGeom prst="roundRect">
               <a:avLst/>
@@ -4902,8 +4862,8 @@
           </p:nvSpPr>
           <p:spPr>
             <a:xfrm>
-              <a:off x="3779912" y="2689388"/>
-              <a:ext cx="1800200" cy="432048"/>
+              <a:off x="3703765" y="1997732"/>
+              <a:ext cx="1684359" cy="375421"/>
             </a:xfrm>
             <a:prstGeom prst="roundRect">
               <a:avLst/>
@@ -4952,8 +4912,8 @@
           </p:nvSpPr>
           <p:spPr>
             <a:xfrm>
-              <a:off x="1619672" y="3573016"/>
-              <a:ext cx="1800200" cy="432048"/>
+              <a:off x="1682534" y="2765547"/>
+              <a:ext cx="1684359" cy="375421"/>
             </a:xfrm>
             <a:prstGeom prst="roundRect">
               <a:avLst/>
@@ -5002,8 +4962,8 @@
           </p:nvSpPr>
           <p:spPr>
             <a:xfrm>
-              <a:off x="3779912" y="3573016"/>
-              <a:ext cx="1800200" cy="432048"/>
+              <a:off x="3703765" y="2765546"/>
+              <a:ext cx="1684359" cy="375421"/>
             </a:xfrm>
             <a:prstGeom prst="roundRect">
               <a:avLst/>
@@ -5052,8 +5012,8 @@
           </p:nvSpPr>
           <p:spPr>
             <a:xfrm>
-              <a:off x="3635896" y="2869408"/>
-              <a:ext cx="544603" cy="991640"/>
+              <a:off x="3569016" y="2154156"/>
+              <a:ext cx="509558" cy="861670"/>
             </a:xfrm>
             <a:prstGeom prst="curvedLeftArrow">
               <a:avLst/>
@@ -5101,8 +5061,8 @@
           </p:nvSpPr>
           <p:spPr>
             <a:xfrm rot="10800000">
-              <a:off x="2987825" y="2833403"/>
-              <a:ext cx="544603" cy="991640"/>
+              <a:off x="2962648" y="2122870"/>
+              <a:ext cx="509558" cy="861670"/>
             </a:xfrm>
             <a:prstGeom prst="curvedLeftArrow">
               <a:avLst/>
@@ -5145,205 +5105,87 @@
       </p:grpSp>
       <p:sp>
         <p:nvSpPr>
-          <p:cNvPr id="12" name="コンテンツ プレースホルダー 2"/>
-          <p:cNvSpPr txBox="1">
-            <a:spLocks/>
-          </p:cNvSpPr>
+          <p:cNvPr id="13" name="テキスト ボックス 12"/>
+          <p:cNvSpPr txBox="1"/>
           <p:nvPr/>
         </p:nvSpPr>
         <p:spPr>
           <a:xfrm>
-            <a:off x="590872" y="3284984"/>
-            <a:ext cx="8229600" cy="3528392"/>
+            <a:off x="847738" y="3886016"/>
+            <a:ext cx="8116749" cy="1631216"/>
           </a:xfrm>
           <a:prstGeom prst="rect">
             <a:avLst/>
           </a:prstGeom>
+          <a:noFill/>
         </p:spPr>
         <p:txBody>
-          <a:bodyPr vert="horz" lIns="91440" tIns="45720" rIns="91440" bIns="45720" rtlCol="0">
-            <a:normAutofit/>
+          <a:bodyPr wrap="square" rtlCol="0">
+            <a:spAutoFit/>
           </a:bodyPr>
-          <a:lstStyle>
-            <a:lvl1pPr marL="342900" indent="-342900" algn="l" defTabSz="914400" rtl="0" eaLnBrk="1" latinLnBrk="0" hangingPunct="1">
-              <a:spcBef>
-                <a:spcPct val="20000"/>
-              </a:spcBef>
-              <a:buFont typeface="Arial" panose="020B0604020202020204" pitchFamily="34" charset="0"/>
-              <a:buChar char="•"/>
-              <a:defRPr kumimoji="1" sz="3200" kern="1200">
-                <a:solidFill>
-                  <a:schemeClr val="tx1"/>
-                </a:solidFill>
-                <a:latin typeface="+mn-lt"/>
-                <a:ea typeface="+mn-ea"/>
-                <a:cs typeface="+mn-cs"/>
-              </a:defRPr>
-            </a:lvl1pPr>
-            <a:lvl2pPr marL="742950" indent="-285750" algn="l" defTabSz="914400" rtl="0" eaLnBrk="1" latinLnBrk="0" hangingPunct="1">
-              <a:spcBef>
-                <a:spcPct val="20000"/>
-              </a:spcBef>
-              <a:buFont typeface="Arial" panose="020B0604020202020204" pitchFamily="34" charset="0"/>
-              <a:buChar char="–"/>
-              <a:defRPr kumimoji="1" sz="2800" kern="1200">
-                <a:solidFill>
-                  <a:schemeClr val="tx1"/>
-                </a:solidFill>
-                <a:latin typeface="+mn-lt"/>
-                <a:ea typeface="+mn-ea"/>
-                <a:cs typeface="+mn-cs"/>
-              </a:defRPr>
-            </a:lvl2pPr>
-            <a:lvl3pPr marL="1143000" indent="-228600" algn="l" defTabSz="914400" rtl="0" eaLnBrk="1" latinLnBrk="0" hangingPunct="1">
-              <a:spcBef>
-                <a:spcPct val="20000"/>
-              </a:spcBef>
-              <a:buFont typeface="Arial" panose="020B0604020202020204" pitchFamily="34" charset="0"/>
-              <a:buChar char="•"/>
-              <a:defRPr kumimoji="1" sz="2400" kern="1200">
-                <a:solidFill>
-                  <a:schemeClr val="tx1"/>
-                </a:solidFill>
-                <a:latin typeface="+mn-lt"/>
-                <a:ea typeface="+mn-ea"/>
-                <a:cs typeface="+mn-cs"/>
-              </a:defRPr>
-            </a:lvl3pPr>
-            <a:lvl4pPr marL="1600200" indent="-228600" algn="l" defTabSz="914400" rtl="0" eaLnBrk="1" latinLnBrk="0" hangingPunct="1">
-              <a:spcBef>
-                <a:spcPct val="20000"/>
-              </a:spcBef>
-              <a:buFont typeface="Arial" panose="020B0604020202020204" pitchFamily="34" charset="0"/>
-              <a:buChar char="–"/>
-              <a:defRPr kumimoji="1" sz="2000" kern="1200">
-                <a:solidFill>
-                  <a:schemeClr val="tx1"/>
-                </a:solidFill>
-                <a:latin typeface="+mn-lt"/>
-                <a:ea typeface="+mn-ea"/>
-                <a:cs typeface="+mn-cs"/>
-              </a:defRPr>
-            </a:lvl4pPr>
-            <a:lvl5pPr marL="2057400" indent="-228600" algn="l" defTabSz="914400" rtl="0" eaLnBrk="1" latinLnBrk="0" hangingPunct="1">
-              <a:spcBef>
-                <a:spcPct val="20000"/>
-              </a:spcBef>
-              <a:buFont typeface="Arial" panose="020B0604020202020204" pitchFamily="34" charset="0"/>
-              <a:buChar char="»"/>
-              <a:defRPr kumimoji="1" sz="2000" kern="1200">
-                <a:solidFill>
-                  <a:schemeClr val="tx1"/>
-                </a:solidFill>
-                <a:latin typeface="+mn-lt"/>
-                <a:ea typeface="+mn-ea"/>
-                <a:cs typeface="+mn-cs"/>
-              </a:defRPr>
-            </a:lvl5pPr>
-            <a:lvl6pPr marL="2514600" indent="-228600" algn="l" defTabSz="914400" rtl="0" eaLnBrk="1" latinLnBrk="0" hangingPunct="1">
-              <a:spcBef>
-                <a:spcPct val="20000"/>
-              </a:spcBef>
-              <a:buFont typeface="Arial" panose="020B0604020202020204" pitchFamily="34" charset="0"/>
-              <a:buChar char="•"/>
-              <a:defRPr kumimoji="1" sz="2000" kern="1200">
-                <a:solidFill>
-                  <a:schemeClr val="tx1"/>
-                </a:solidFill>
-                <a:latin typeface="+mn-lt"/>
-                <a:ea typeface="+mn-ea"/>
-                <a:cs typeface="+mn-cs"/>
-              </a:defRPr>
-            </a:lvl6pPr>
-            <a:lvl7pPr marL="2971800" indent="-228600" algn="l" defTabSz="914400" rtl="0" eaLnBrk="1" latinLnBrk="0" hangingPunct="1">
-              <a:spcBef>
-                <a:spcPct val="20000"/>
-              </a:spcBef>
-              <a:buFont typeface="Arial" panose="020B0604020202020204" pitchFamily="34" charset="0"/>
-              <a:buChar char="•"/>
-              <a:defRPr kumimoji="1" sz="2000" kern="1200">
-                <a:solidFill>
-                  <a:schemeClr val="tx1"/>
-                </a:solidFill>
-                <a:latin typeface="+mn-lt"/>
-                <a:ea typeface="+mn-ea"/>
-                <a:cs typeface="+mn-cs"/>
-              </a:defRPr>
-            </a:lvl7pPr>
-            <a:lvl8pPr marL="3429000" indent="-228600" algn="l" defTabSz="914400" rtl="0" eaLnBrk="1" latinLnBrk="0" hangingPunct="1">
-              <a:spcBef>
-                <a:spcPct val="20000"/>
-              </a:spcBef>
-              <a:buFont typeface="Arial" panose="020B0604020202020204" pitchFamily="34" charset="0"/>
-              <a:buChar char="•"/>
-              <a:defRPr kumimoji="1" sz="2000" kern="1200">
-                <a:solidFill>
-                  <a:schemeClr val="tx1"/>
-                </a:solidFill>
-                <a:latin typeface="+mn-lt"/>
-                <a:ea typeface="+mn-ea"/>
-                <a:cs typeface="+mn-cs"/>
-              </a:defRPr>
-            </a:lvl8pPr>
-            <a:lvl9pPr marL="3886200" indent="-228600" algn="l" defTabSz="914400" rtl="0" eaLnBrk="1" latinLnBrk="0" hangingPunct="1">
-              <a:spcBef>
-                <a:spcPct val="20000"/>
-              </a:spcBef>
-              <a:buFont typeface="Arial" panose="020B0604020202020204" pitchFamily="34" charset="0"/>
-              <a:buChar char="•"/>
-              <a:defRPr kumimoji="1" sz="2000" kern="1200">
-                <a:solidFill>
-                  <a:schemeClr val="tx1"/>
-                </a:solidFill>
-                <a:latin typeface="+mn-lt"/>
-                <a:ea typeface="+mn-ea"/>
-                <a:cs typeface="+mn-cs"/>
-              </a:defRPr>
-            </a:lvl9pPr>
-          </a:lstStyle>
-          <a:p>
-            <a:pPr marL="0" indent="0">
-              <a:buFont typeface="Arial" panose="020B0604020202020204" pitchFamily="34" charset="0"/>
-              <a:buNone/>
-            </a:pPr>
-            <a:r>
-              <a:rPr lang="ja-JP" altLang="en-US" sz="2000" dirty="0" smtClean="0">
-                <a:latin typeface="ＭＳ Ｐ明朝" panose="02020600040205080304" pitchFamily="18" charset="-128"/>
-                <a:ea typeface="ＭＳ Ｐ明朝" panose="02020600040205080304" pitchFamily="18" charset="-128"/>
-              </a:rPr>
-              <a:t> </a:t>
-            </a:r>
-            <a:r>
-              <a:rPr lang="en-US" altLang="ja-JP" sz="2000" dirty="0" smtClean="0">
-                <a:latin typeface="ＭＳ Ｐ明朝" panose="02020600040205080304" pitchFamily="18" charset="-128"/>
-                <a:ea typeface="ＭＳ Ｐ明朝" panose="02020600040205080304" pitchFamily="18" charset="-128"/>
-              </a:rPr>
-              <a:t>1-2.Jenkins</a:t>
-            </a:r>
-            <a:r>
-              <a:rPr lang="ja-JP" altLang="en-US" sz="2000" dirty="0" smtClean="0">
-                <a:latin typeface="ＭＳ Ｐ明朝" panose="02020600040205080304" pitchFamily="18" charset="-128"/>
-                <a:ea typeface="ＭＳ Ｐ明朝" panose="02020600040205080304" pitchFamily="18" charset="-128"/>
-              </a:rPr>
-              <a:t>の概要</a:t>
-            </a:r>
-          </a:p>
-          <a:p>
-            <a:pPr marL="0" indent="0">
-              <a:buFont typeface="Arial" panose="020B0604020202020204" pitchFamily="34" charset="0"/>
-              <a:buNone/>
-            </a:pPr>
-            <a:r>
-              <a:rPr lang="ja-JP" altLang="en-US" sz="1600" dirty="0" smtClean="0">
-                <a:latin typeface="ＭＳ Ｐ明朝" panose="02020600040205080304" pitchFamily="18" charset="-128"/>
-                <a:ea typeface="ＭＳ Ｐ明朝" panose="02020600040205080304" pitchFamily="18" charset="-128"/>
-              </a:rPr>
-              <a:t>　継続的インテグレーションサーバの基本的な機能となる、継続的にビルドを実行する機能を備えています。</a:t>
-            </a:r>
-            <a:endParaRPr lang="ja-JP" altLang="en-US" sz="1600" dirty="0">
-              <a:latin typeface="ＭＳ Ｐ明朝" panose="02020600040205080304" pitchFamily="18" charset="-128"/>
-              <a:ea typeface="ＭＳ Ｐ明朝" panose="02020600040205080304" pitchFamily="18" charset="-128"/>
-            </a:endParaRPr>
+          <a:lstStyle/>
+          <a:p>
+            <a:r>
+              <a:rPr kumimoji="1" lang="ja-JP" altLang="en-US" sz="2000" dirty="0" smtClean="0"/>
+              <a:t>ポイント</a:t>
+            </a:r>
+            <a:endParaRPr kumimoji="1" lang="en-US" altLang="ja-JP" sz="2000" dirty="0" smtClean="0"/>
+          </a:p>
+          <a:p>
+            <a:r>
+              <a:rPr lang="ja-JP" altLang="en-US" sz="2000" dirty="0"/>
+              <a:t>　</a:t>
+            </a:r>
+            <a:r>
+              <a:rPr lang="ja-JP" altLang="en-US" sz="2000" dirty="0" smtClean="0"/>
+              <a:t>・</a:t>
+            </a:r>
+            <a:r>
+              <a:rPr lang="en-US" altLang="ja-JP" sz="2000" dirty="0" smtClean="0"/>
+              <a:t>1</a:t>
+            </a:r>
+            <a:r>
+              <a:rPr lang="ja-JP" altLang="en-US" sz="2000" dirty="0"/>
+              <a:t>日</a:t>
+            </a:r>
+            <a:r>
+              <a:rPr lang="ja-JP" altLang="en-US" sz="2000" dirty="0" smtClean="0"/>
+              <a:t>に何度もビルドを実行</a:t>
+            </a:r>
+            <a:endParaRPr lang="en-US" altLang="ja-JP" sz="2000" dirty="0" smtClean="0"/>
+          </a:p>
+          <a:p>
+            <a:r>
+              <a:rPr kumimoji="1" lang="ja-JP" altLang="en-US" sz="2000" dirty="0"/>
+              <a:t>　</a:t>
+            </a:r>
+            <a:r>
+              <a:rPr lang="ja-JP" altLang="en-US" sz="2000" dirty="0" smtClean="0"/>
+              <a:t>・結合した時に発生する問題を早期に検出</a:t>
+            </a:r>
+            <a:endParaRPr lang="en-US" altLang="ja-JP" sz="2000" dirty="0" smtClean="0"/>
+          </a:p>
+          <a:p>
+            <a:r>
+              <a:rPr kumimoji="1" lang="ja-JP" altLang="en-US" sz="2000" dirty="0"/>
+              <a:t>　</a:t>
+            </a:r>
+            <a:r>
+              <a:rPr kumimoji="1" lang="ja-JP" altLang="en-US" sz="2000" dirty="0" smtClean="0"/>
+              <a:t>・フィードバックサイクルを短くする</a:t>
+            </a:r>
+            <a:endParaRPr kumimoji="1" lang="en-US" altLang="ja-JP" sz="2000" dirty="0" smtClean="0"/>
+          </a:p>
+          <a:p>
+            <a:r>
+              <a:rPr lang="ja-JP" altLang="en-US" sz="2000" dirty="0"/>
+              <a:t>　</a:t>
+            </a:r>
+            <a:r>
+              <a:rPr lang="ja-JP" altLang="en-US" sz="2000" dirty="0" smtClean="0"/>
+              <a:t>・ソフトウェア開発の品質と生産性を向上</a:t>
+            </a:r>
+            <a:endParaRPr kumimoji="1" lang="ja-JP" altLang="en-US" sz="2000" dirty="0"/>
           </a:p>
         </p:txBody>
       </p:sp>
@@ -5384,6 +5226,47 @@
           <a:chExt cx="0" cy="0"/>
         </a:xfrm>
       </p:grpSpPr>
+      <p:pic>
+        <p:nvPicPr>
+          <p:cNvPr id="7" name="図 6" descr="http://itpro.nikkeibp.co.jp/article/COLUMN/20131017/511818/zu01_s.gif"/>
+          <p:cNvPicPr>
+            <a:picLocks noChangeAspect="1" noChangeArrowheads="1"/>
+          </p:cNvPicPr>
+          <p:nvPr/>
+        </p:nvPicPr>
+        <p:blipFill>
+          <a:blip r:embed="rId2">
+            <a:extLst>
+              <a:ext uri="{28A0092B-C50C-407E-A947-70E740481C1C}">
+                <a14:useLocalDpi xmlns:a14="http://schemas.microsoft.com/office/drawing/2010/main" val="0"/>
+              </a:ext>
+            </a:extLst>
+          </a:blip>
+          <a:srcRect/>
+          <a:stretch>
+            <a:fillRect/>
+          </a:stretch>
+        </p:blipFill>
+        <p:spPr bwMode="auto">
+          <a:xfrm>
+            <a:off x="1763688" y="1202512"/>
+            <a:ext cx="5328592" cy="3594640"/>
+          </a:xfrm>
+          <a:prstGeom prst="rect">
+            <a:avLst/>
+          </a:prstGeom>
+          <a:noFill/>
+          <a:extLst>
+            <a:ext uri="{909E8E84-426E-40DD-AFC4-6F175D3DCCD1}">
+              <a14:hiddenFill xmlns:a14="http://schemas.microsoft.com/office/drawing/2010/main">
+                <a:solidFill>
+                  <a:srgbClr val="FFFFFF"/>
+                </a:solidFill>
+              </a14:hiddenFill>
+            </a:ext>
+          </a:extLst>
+        </p:spPr>
+      </p:pic>
       <p:sp>
         <p:nvSpPr>
           <p:cNvPr id="3" name="コンテンツ プレースホルダー 2"/>
@@ -5396,8 +5279,8 @@
         </p:nvSpPr>
         <p:spPr>
           <a:xfrm>
-            <a:off x="395536" y="332657"/>
-            <a:ext cx="8229600" cy="3528392"/>
+            <a:off x="395536" y="4581128"/>
+            <a:ext cx="8229600" cy="2160240"/>
           </a:xfrm>
         </p:spPr>
         <p:txBody>
@@ -5593,6 +5476,584 @@
                 <a:ea typeface="ＭＳ Ｐ明朝" panose="02020600040205080304" pitchFamily="18" charset="-128"/>
               </a:rPr>
               <a:t>。</a:t>
+            </a:r>
+            <a:endParaRPr kumimoji="1" lang="ja-JP" altLang="en-US" sz="1600" dirty="0">
+              <a:solidFill>
+                <a:schemeClr val="tx1"/>
+              </a:solidFill>
+              <a:latin typeface="ＭＳ Ｐ明朝" panose="02020600040205080304" pitchFamily="18" charset="-128"/>
+              <a:ea typeface="ＭＳ Ｐ明朝" panose="02020600040205080304" pitchFamily="18" charset="-128"/>
+            </a:endParaRPr>
+          </a:p>
+        </p:txBody>
+      </p:sp>
+      <p:sp>
+        <p:nvSpPr>
+          <p:cNvPr id="6" name="コンテンツ プレースホルダー 2"/>
+          <p:cNvSpPr txBox="1">
+            <a:spLocks/>
+          </p:cNvSpPr>
+          <p:nvPr/>
+        </p:nvSpPr>
+        <p:spPr>
+          <a:xfrm>
+            <a:off x="467544" y="476672"/>
+            <a:ext cx="8229600" cy="3528392"/>
+          </a:xfrm>
+          <a:prstGeom prst="rect">
+            <a:avLst/>
+          </a:prstGeom>
+        </p:spPr>
+        <p:txBody>
+          <a:bodyPr vert="horz" lIns="91440" tIns="45720" rIns="91440" bIns="45720" rtlCol="0">
+            <a:normAutofit/>
+          </a:bodyPr>
+          <a:lstStyle>
+            <a:lvl1pPr marL="342900" indent="-342900" algn="l" defTabSz="914400" rtl="0" eaLnBrk="1" latinLnBrk="0" hangingPunct="1">
+              <a:spcBef>
+                <a:spcPct val="20000"/>
+              </a:spcBef>
+              <a:buFont typeface="Arial" panose="020B0604020202020204" pitchFamily="34" charset="0"/>
+              <a:buChar char="•"/>
+              <a:defRPr kumimoji="1" sz="3200" kern="1200">
+                <a:solidFill>
+                  <a:schemeClr val="tx1"/>
+                </a:solidFill>
+                <a:latin typeface="+mn-lt"/>
+                <a:ea typeface="+mn-ea"/>
+                <a:cs typeface="+mn-cs"/>
+              </a:defRPr>
+            </a:lvl1pPr>
+            <a:lvl2pPr marL="742950" indent="-285750" algn="l" defTabSz="914400" rtl="0" eaLnBrk="1" latinLnBrk="0" hangingPunct="1">
+              <a:spcBef>
+                <a:spcPct val="20000"/>
+              </a:spcBef>
+              <a:buFont typeface="Arial" panose="020B0604020202020204" pitchFamily="34" charset="0"/>
+              <a:buChar char="–"/>
+              <a:defRPr kumimoji="1" sz="2800" kern="1200">
+                <a:solidFill>
+                  <a:schemeClr val="tx1"/>
+                </a:solidFill>
+                <a:latin typeface="+mn-lt"/>
+                <a:ea typeface="+mn-ea"/>
+                <a:cs typeface="+mn-cs"/>
+              </a:defRPr>
+            </a:lvl2pPr>
+            <a:lvl3pPr marL="1143000" indent="-228600" algn="l" defTabSz="914400" rtl="0" eaLnBrk="1" latinLnBrk="0" hangingPunct="1">
+              <a:spcBef>
+                <a:spcPct val="20000"/>
+              </a:spcBef>
+              <a:buFont typeface="Arial" panose="020B0604020202020204" pitchFamily="34" charset="0"/>
+              <a:buChar char="•"/>
+              <a:defRPr kumimoji="1" sz="2400" kern="1200">
+                <a:solidFill>
+                  <a:schemeClr val="tx1"/>
+                </a:solidFill>
+                <a:latin typeface="+mn-lt"/>
+                <a:ea typeface="+mn-ea"/>
+                <a:cs typeface="+mn-cs"/>
+              </a:defRPr>
+            </a:lvl3pPr>
+            <a:lvl4pPr marL="1600200" indent="-228600" algn="l" defTabSz="914400" rtl="0" eaLnBrk="1" latinLnBrk="0" hangingPunct="1">
+              <a:spcBef>
+                <a:spcPct val="20000"/>
+              </a:spcBef>
+              <a:buFont typeface="Arial" panose="020B0604020202020204" pitchFamily="34" charset="0"/>
+              <a:buChar char="–"/>
+              <a:defRPr kumimoji="1" sz="2000" kern="1200">
+                <a:solidFill>
+                  <a:schemeClr val="tx1"/>
+                </a:solidFill>
+                <a:latin typeface="+mn-lt"/>
+                <a:ea typeface="+mn-ea"/>
+                <a:cs typeface="+mn-cs"/>
+              </a:defRPr>
+            </a:lvl4pPr>
+            <a:lvl5pPr marL="2057400" indent="-228600" algn="l" defTabSz="914400" rtl="0" eaLnBrk="1" latinLnBrk="0" hangingPunct="1">
+              <a:spcBef>
+                <a:spcPct val="20000"/>
+              </a:spcBef>
+              <a:buFont typeface="Arial" panose="020B0604020202020204" pitchFamily="34" charset="0"/>
+              <a:buChar char="»"/>
+              <a:defRPr kumimoji="1" sz="2000" kern="1200">
+                <a:solidFill>
+                  <a:schemeClr val="tx1"/>
+                </a:solidFill>
+                <a:latin typeface="+mn-lt"/>
+                <a:ea typeface="+mn-ea"/>
+                <a:cs typeface="+mn-cs"/>
+              </a:defRPr>
+            </a:lvl5pPr>
+            <a:lvl6pPr marL="2514600" indent="-228600" algn="l" defTabSz="914400" rtl="0" eaLnBrk="1" latinLnBrk="0" hangingPunct="1">
+              <a:spcBef>
+                <a:spcPct val="20000"/>
+              </a:spcBef>
+              <a:buFont typeface="Arial" panose="020B0604020202020204" pitchFamily="34" charset="0"/>
+              <a:buChar char="•"/>
+              <a:defRPr kumimoji="1" sz="2000" kern="1200">
+                <a:solidFill>
+                  <a:schemeClr val="tx1"/>
+                </a:solidFill>
+                <a:latin typeface="+mn-lt"/>
+                <a:ea typeface="+mn-ea"/>
+                <a:cs typeface="+mn-cs"/>
+              </a:defRPr>
+            </a:lvl6pPr>
+            <a:lvl7pPr marL="2971800" indent="-228600" algn="l" defTabSz="914400" rtl="0" eaLnBrk="1" latinLnBrk="0" hangingPunct="1">
+              <a:spcBef>
+                <a:spcPct val="20000"/>
+              </a:spcBef>
+              <a:buFont typeface="Arial" panose="020B0604020202020204" pitchFamily="34" charset="0"/>
+              <a:buChar char="•"/>
+              <a:defRPr kumimoji="1" sz="2000" kern="1200">
+                <a:solidFill>
+                  <a:schemeClr val="tx1"/>
+                </a:solidFill>
+                <a:latin typeface="+mn-lt"/>
+                <a:ea typeface="+mn-ea"/>
+                <a:cs typeface="+mn-cs"/>
+              </a:defRPr>
+            </a:lvl7pPr>
+            <a:lvl8pPr marL="3429000" indent="-228600" algn="l" defTabSz="914400" rtl="0" eaLnBrk="1" latinLnBrk="0" hangingPunct="1">
+              <a:spcBef>
+                <a:spcPct val="20000"/>
+              </a:spcBef>
+              <a:buFont typeface="Arial" panose="020B0604020202020204" pitchFamily="34" charset="0"/>
+              <a:buChar char="•"/>
+              <a:defRPr kumimoji="1" sz="2000" kern="1200">
+                <a:solidFill>
+                  <a:schemeClr val="tx1"/>
+                </a:solidFill>
+                <a:latin typeface="+mn-lt"/>
+                <a:ea typeface="+mn-ea"/>
+                <a:cs typeface="+mn-cs"/>
+              </a:defRPr>
+            </a:lvl8pPr>
+            <a:lvl9pPr marL="3886200" indent="-228600" algn="l" defTabSz="914400" rtl="0" eaLnBrk="1" latinLnBrk="0" hangingPunct="1">
+              <a:spcBef>
+                <a:spcPct val="20000"/>
+              </a:spcBef>
+              <a:buFont typeface="Arial" panose="020B0604020202020204" pitchFamily="34" charset="0"/>
+              <a:buChar char="•"/>
+              <a:defRPr kumimoji="1" sz="2000" kern="1200">
+                <a:solidFill>
+                  <a:schemeClr val="tx1"/>
+                </a:solidFill>
+                <a:latin typeface="+mn-lt"/>
+                <a:ea typeface="+mn-ea"/>
+                <a:cs typeface="+mn-cs"/>
+              </a:defRPr>
+            </a:lvl9pPr>
+          </a:lstStyle>
+          <a:p>
+            <a:pPr marL="0" indent="0">
+              <a:buFont typeface="Arial" panose="020B0604020202020204" pitchFamily="34" charset="0"/>
+              <a:buNone/>
+            </a:pPr>
+            <a:r>
+              <a:rPr lang="ja-JP" altLang="en-US" sz="2000" dirty="0" smtClean="0">
+                <a:latin typeface="ＭＳ Ｐ明朝" panose="02020600040205080304" pitchFamily="18" charset="-128"/>
+                <a:ea typeface="ＭＳ Ｐ明朝" panose="02020600040205080304" pitchFamily="18" charset="-128"/>
+              </a:rPr>
+              <a:t> </a:t>
+            </a:r>
+            <a:r>
+              <a:rPr lang="en-US" altLang="ja-JP" sz="2000" dirty="0" smtClean="0">
+                <a:latin typeface="ＭＳ Ｐ明朝" panose="02020600040205080304" pitchFamily="18" charset="-128"/>
+                <a:ea typeface="ＭＳ Ｐ明朝" panose="02020600040205080304" pitchFamily="18" charset="-128"/>
+              </a:rPr>
+              <a:t>1-2.Jenkins</a:t>
+            </a:r>
+            <a:r>
+              <a:rPr lang="ja-JP" altLang="en-US" sz="2000" dirty="0" smtClean="0">
+                <a:latin typeface="ＭＳ Ｐ明朝" panose="02020600040205080304" pitchFamily="18" charset="-128"/>
+                <a:ea typeface="ＭＳ Ｐ明朝" panose="02020600040205080304" pitchFamily="18" charset="-128"/>
+              </a:rPr>
+              <a:t>の概要</a:t>
+            </a:r>
+          </a:p>
+          <a:p>
+            <a:pPr marL="0" indent="0">
+              <a:buNone/>
+            </a:pPr>
+            <a:r>
+              <a:rPr lang="ja-JP" altLang="en-US" sz="1600" dirty="0" smtClean="0">
+                <a:latin typeface="ＭＳ Ｐ明朝" panose="02020600040205080304" pitchFamily="18" charset="-128"/>
+                <a:ea typeface="ＭＳ Ｐ明朝" panose="02020600040205080304" pitchFamily="18" charset="-128"/>
+              </a:rPr>
+              <a:t>　継続的インテグレーションサーバの基本的な機能となる、継続的にビルドを実行する機能を備えています</a:t>
+            </a:r>
+            <a:r>
+              <a:rPr lang="ja-JP" altLang="en-US" sz="1600" dirty="0" smtClean="0">
+                <a:latin typeface="ＭＳ Ｐ明朝" panose="02020600040205080304" pitchFamily="18" charset="-128"/>
+                <a:ea typeface="ＭＳ Ｐ明朝" panose="02020600040205080304" pitchFamily="18" charset="-128"/>
+              </a:rPr>
+              <a:t>。</a:t>
+            </a:r>
+            <a:r>
+              <a:rPr lang="en-US" altLang="ja-JP" sz="1600" dirty="0">
+                <a:latin typeface="ＭＳ Ｐ明朝" panose="02020600040205080304" pitchFamily="18" charset="-128"/>
+                <a:ea typeface="ＭＳ Ｐ明朝" panose="02020600040205080304" pitchFamily="18" charset="-128"/>
+              </a:rPr>
+              <a:t>※Java</a:t>
+            </a:r>
+            <a:r>
+              <a:rPr lang="ja-JP" altLang="en-US" sz="1600" dirty="0">
+                <a:latin typeface="ＭＳ Ｐ明朝" panose="02020600040205080304" pitchFamily="18" charset="-128"/>
+                <a:ea typeface="ＭＳ Ｐ明朝" panose="02020600040205080304" pitchFamily="18" charset="-128"/>
+              </a:rPr>
+              <a:t>で書かれたオープンソース継続的インテグレーションツールで</a:t>
+            </a:r>
+            <a:r>
+              <a:rPr lang="ja-JP" altLang="en-US" sz="1600" dirty="0" smtClean="0">
+                <a:latin typeface="ＭＳ Ｐ明朝" panose="02020600040205080304" pitchFamily="18" charset="-128"/>
+                <a:ea typeface="ＭＳ Ｐ明朝" panose="02020600040205080304" pitchFamily="18" charset="-128"/>
+              </a:rPr>
+              <a:t>ある。</a:t>
+            </a:r>
+            <a:endParaRPr lang="ja-JP" altLang="en-US" sz="1600" dirty="0">
+              <a:latin typeface="ＭＳ Ｐ明朝" panose="02020600040205080304" pitchFamily="18" charset="-128"/>
+              <a:ea typeface="ＭＳ Ｐ明朝" panose="02020600040205080304" pitchFamily="18" charset="-128"/>
+            </a:endParaRPr>
+          </a:p>
+        </p:txBody>
+      </p:sp>
+    </p:spTree>
+    <p:extLst>
+      <p:ext uri="{BB962C8B-B14F-4D97-AF65-F5344CB8AC3E}">
+        <p14:creationId xmlns:p14="http://schemas.microsoft.com/office/powerpoint/2010/main" val="2817594991"/>
+      </p:ext>
+    </p:extLst>
+  </p:cSld>
+  <p:clrMapOvr>
+    <a:masterClrMapping/>
+  </p:clrMapOvr>
+  <p:timing>
+    <p:tnLst>
+      <p:par>
+        <p:cTn id="1" dur="indefinite" restart="never" nodeType="tmRoot"/>
+      </p:par>
+    </p:tnLst>
+  </p:timing>
+</p:sld>
+</file>
+
+<file path=ppt/slides/slide5.xml><?xml version="1.0" encoding="utf-8"?>
+<p:sld xmlns:a="http://schemas.openxmlformats.org/drawingml/2006/main" xmlns:r="http://schemas.openxmlformats.org/officeDocument/2006/relationships" xmlns:p="http://schemas.openxmlformats.org/presentationml/2006/main">
+  <p:cSld>
+    <p:spTree>
+      <p:nvGrpSpPr>
+        <p:cNvPr id="1" name=""/>
+        <p:cNvGrpSpPr/>
+        <p:nvPr/>
+      </p:nvGrpSpPr>
+      <p:grpSpPr>
+        <a:xfrm>
+          <a:off x="0" y="0"/>
+          <a:ext cx="0" cy="0"/>
+          <a:chOff x="0" y="0"/>
+          <a:chExt cx="0" cy="0"/>
+        </a:xfrm>
+      </p:grpSpPr>
+      <p:sp>
+        <p:nvSpPr>
+          <p:cNvPr id="4" name="コンテンツ プレースホルダー 2"/>
+          <p:cNvSpPr txBox="1">
+            <a:spLocks/>
+          </p:cNvSpPr>
+          <p:nvPr/>
+        </p:nvSpPr>
+        <p:spPr>
+          <a:xfrm>
+            <a:off x="395536" y="260649"/>
+            <a:ext cx="8229600" cy="2016223"/>
+          </a:xfrm>
+          <a:prstGeom prst="rect">
+            <a:avLst/>
+          </a:prstGeom>
+        </p:spPr>
+        <p:txBody>
+          <a:bodyPr vert="horz" lIns="91440" tIns="45720" rIns="91440" bIns="45720" rtlCol="0">
+            <a:normAutofit/>
+          </a:bodyPr>
+          <a:lstStyle>
+            <a:lvl1pPr marL="342900" indent="-342900" algn="l" defTabSz="914400" rtl="0" eaLnBrk="1" latinLnBrk="0" hangingPunct="1">
+              <a:spcBef>
+                <a:spcPct val="20000"/>
+              </a:spcBef>
+              <a:buFont typeface="Arial" pitchFamily="34" charset="0"/>
+              <a:buChar char="•"/>
+              <a:defRPr kumimoji="1" sz="2400" kern="1200">
+                <a:solidFill>
+                  <a:schemeClr val="tx1">
+                    <a:lumMod val="50000"/>
+                    <a:lumOff val="50000"/>
+                  </a:schemeClr>
+                </a:solidFill>
+                <a:latin typeface="+mj-lt"/>
+                <a:ea typeface="+mn-ea"/>
+                <a:cs typeface="+mn-cs"/>
+              </a:defRPr>
+            </a:lvl1pPr>
+            <a:lvl2pPr marL="742950" indent="-285750" algn="l" defTabSz="914400" rtl="0" eaLnBrk="1" latinLnBrk="0" hangingPunct="1">
+              <a:spcBef>
+                <a:spcPct val="20000"/>
+              </a:spcBef>
+              <a:buFont typeface="Courier New" pitchFamily="49" charset="0"/>
+              <a:buChar char="o"/>
+              <a:defRPr kumimoji="1" sz="1600" kern="1200">
+                <a:solidFill>
+                  <a:schemeClr val="tx1">
+                    <a:lumMod val="50000"/>
+                    <a:lumOff val="50000"/>
+                  </a:schemeClr>
+                </a:solidFill>
+                <a:latin typeface="+mj-lt"/>
+                <a:ea typeface="+mn-ea"/>
+                <a:cs typeface="+mn-cs"/>
+              </a:defRPr>
+            </a:lvl2pPr>
+            <a:lvl3pPr marL="1143000" indent="-228600" algn="l" defTabSz="914400" rtl="0" eaLnBrk="1" latinLnBrk="0" hangingPunct="1">
+              <a:spcBef>
+                <a:spcPct val="20000"/>
+              </a:spcBef>
+              <a:buFont typeface="Arial" pitchFamily="34" charset="0"/>
+              <a:buChar char="•"/>
+              <a:defRPr kumimoji="1" sz="1600" kern="1200">
+                <a:solidFill>
+                  <a:schemeClr val="tx1">
+                    <a:lumMod val="50000"/>
+                    <a:lumOff val="50000"/>
+                  </a:schemeClr>
+                </a:solidFill>
+                <a:latin typeface="+mj-lt"/>
+                <a:ea typeface="+mn-ea"/>
+                <a:cs typeface="+mn-cs"/>
+              </a:defRPr>
+            </a:lvl3pPr>
+            <a:lvl4pPr marL="1600200" indent="-228600" algn="l" defTabSz="914400" rtl="0" eaLnBrk="1" latinLnBrk="0" hangingPunct="1">
+              <a:spcBef>
+                <a:spcPct val="20000"/>
+              </a:spcBef>
+              <a:buFont typeface="Courier New" pitchFamily="49" charset="0"/>
+              <a:buChar char="o"/>
+              <a:defRPr kumimoji="1" sz="1600" kern="1200">
+                <a:solidFill>
+                  <a:schemeClr val="tx1">
+                    <a:lumMod val="50000"/>
+                    <a:lumOff val="50000"/>
+                  </a:schemeClr>
+                </a:solidFill>
+                <a:latin typeface="+mj-lt"/>
+                <a:ea typeface="+mn-ea"/>
+                <a:cs typeface="+mn-cs"/>
+              </a:defRPr>
+            </a:lvl4pPr>
+            <a:lvl5pPr marL="2057400" indent="-228600" algn="l" defTabSz="914400" rtl="0" eaLnBrk="1" latinLnBrk="0" hangingPunct="1">
+              <a:spcBef>
+                <a:spcPct val="20000"/>
+              </a:spcBef>
+              <a:buFont typeface="Arial" pitchFamily="34" charset="0"/>
+              <a:buChar char="•"/>
+              <a:defRPr kumimoji="1" sz="1600" kern="1200">
+                <a:solidFill>
+                  <a:schemeClr val="tx1">
+                    <a:lumMod val="50000"/>
+                    <a:lumOff val="50000"/>
+                  </a:schemeClr>
+                </a:solidFill>
+                <a:latin typeface="+mj-lt"/>
+                <a:ea typeface="+mn-ea"/>
+                <a:cs typeface="+mn-cs"/>
+              </a:defRPr>
+            </a:lvl5pPr>
+            <a:lvl6pPr marL="2514600" indent="-228600" algn="l" defTabSz="914400" rtl="0" eaLnBrk="1" latinLnBrk="0" hangingPunct="1">
+              <a:spcBef>
+                <a:spcPct val="20000"/>
+              </a:spcBef>
+              <a:buFont typeface="Courier New" pitchFamily="49" charset="0"/>
+              <a:buChar char="o"/>
+              <a:defRPr kumimoji="1" sz="1600" kern="1200">
+                <a:solidFill>
+                  <a:schemeClr val="tx1">
+                    <a:lumMod val="50000"/>
+                    <a:lumOff val="50000"/>
+                  </a:schemeClr>
+                </a:solidFill>
+                <a:latin typeface="+mj-lt"/>
+                <a:ea typeface="+mn-ea"/>
+                <a:cs typeface="+mn-cs"/>
+              </a:defRPr>
+            </a:lvl6pPr>
+            <a:lvl7pPr marL="2971800" indent="-228600" algn="l" defTabSz="914400" rtl="0" eaLnBrk="1" latinLnBrk="0" hangingPunct="1">
+              <a:spcBef>
+                <a:spcPct val="20000"/>
+              </a:spcBef>
+              <a:buFont typeface="Arial" pitchFamily="34" charset="0"/>
+              <a:buChar char="•"/>
+              <a:defRPr kumimoji="1" sz="1600" kern="1200">
+                <a:solidFill>
+                  <a:schemeClr val="tx1">
+                    <a:lumMod val="50000"/>
+                    <a:lumOff val="50000"/>
+                  </a:schemeClr>
+                </a:solidFill>
+                <a:latin typeface="+mj-lt"/>
+                <a:ea typeface="+mn-ea"/>
+                <a:cs typeface="+mn-cs"/>
+              </a:defRPr>
+            </a:lvl7pPr>
+            <a:lvl8pPr marL="3429000" indent="-228600" algn="l" defTabSz="914400" rtl="0" eaLnBrk="1" latinLnBrk="0" hangingPunct="1">
+              <a:spcBef>
+                <a:spcPct val="20000"/>
+              </a:spcBef>
+              <a:buFont typeface="Courier New" pitchFamily="49" charset="0"/>
+              <a:buChar char="o"/>
+              <a:defRPr kumimoji="1" sz="1600" kern="1200">
+                <a:solidFill>
+                  <a:schemeClr val="tx1">
+                    <a:lumMod val="50000"/>
+                    <a:lumOff val="50000"/>
+                  </a:schemeClr>
+                </a:solidFill>
+                <a:latin typeface="+mj-lt"/>
+                <a:ea typeface="+mn-ea"/>
+                <a:cs typeface="+mn-cs"/>
+              </a:defRPr>
+            </a:lvl8pPr>
+            <a:lvl9pPr marL="3886200" indent="-228600" algn="l" defTabSz="914400" rtl="0" eaLnBrk="1" latinLnBrk="0" hangingPunct="1">
+              <a:spcBef>
+                <a:spcPct val="20000"/>
+              </a:spcBef>
+              <a:buFont typeface="Arial" pitchFamily="34" charset="0"/>
+              <a:buChar char="•"/>
+              <a:defRPr kumimoji="1" sz="1600" kern="1200">
+                <a:solidFill>
+                  <a:schemeClr val="tx1">
+                    <a:lumMod val="50000"/>
+                    <a:lumOff val="50000"/>
+                  </a:schemeClr>
+                </a:solidFill>
+                <a:latin typeface="+mj-lt"/>
+                <a:ea typeface="+mn-ea"/>
+                <a:cs typeface="+mn-cs"/>
+              </a:defRPr>
+            </a:lvl9pPr>
+          </a:lstStyle>
+          <a:p>
+            <a:pPr marL="0" indent="0">
+              <a:buFont typeface="Arial" pitchFamily="34" charset="0"/>
+              <a:buNone/>
+            </a:pPr>
+            <a:r>
+              <a:rPr lang="ja-JP" altLang="en-US" sz="2800" dirty="0" smtClean="0">
+                <a:solidFill>
+                  <a:schemeClr val="tx1"/>
+                </a:solidFill>
+                <a:latin typeface="ＭＳ Ｐ明朝" panose="02020600040205080304" pitchFamily="18" charset="-128"/>
+                <a:ea typeface="ＭＳ Ｐ明朝" panose="02020600040205080304" pitchFamily="18" charset="-128"/>
+              </a:rPr>
+              <a:t>■</a:t>
+            </a:r>
+            <a:r>
+              <a:rPr lang="en-US" altLang="ja-JP" sz="2800" dirty="0">
+                <a:solidFill>
+                  <a:schemeClr val="tx1"/>
+                </a:solidFill>
+                <a:latin typeface="ＭＳ Ｐ明朝" panose="02020600040205080304" pitchFamily="18" charset="-128"/>
+                <a:ea typeface="ＭＳ Ｐ明朝" panose="02020600040205080304" pitchFamily="18" charset="-128"/>
+              </a:rPr>
+              <a:t>2</a:t>
+            </a:r>
+            <a:r>
+              <a:rPr lang="en-US" altLang="ja-JP" sz="2800" dirty="0" smtClean="0">
+                <a:solidFill>
+                  <a:schemeClr val="tx1"/>
+                </a:solidFill>
+                <a:latin typeface="ＭＳ Ｐ明朝" panose="02020600040205080304" pitchFamily="18" charset="-128"/>
+                <a:ea typeface="ＭＳ Ｐ明朝" panose="02020600040205080304" pitchFamily="18" charset="-128"/>
+              </a:rPr>
+              <a:t>.</a:t>
+            </a:r>
+            <a:r>
+              <a:rPr lang="ja-JP" altLang="en-US" sz="2800" dirty="0" smtClean="0">
+                <a:solidFill>
+                  <a:schemeClr val="tx1"/>
+                </a:solidFill>
+                <a:latin typeface="ＭＳ Ｐ明朝" panose="02020600040205080304" pitchFamily="18" charset="-128"/>
+                <a:ea typeface="ＭＳ Ｐ明朝" panose="02020600040205080304" pitchFamily="18" charset="-128"/>
+              </a:rPr>
+              <a:t>機能</a:t>
+            </a:r>
+          </a:p>
+          <a:p>
+            <a:pPr marL="0" indent="0">
+              <a:buNone/>
+            </a:pPr>
+            <a:r>
+              <a:rPr lang="ja-JP" altLang="en-US" sz="1600" dirty="0">
+                <a:solidFill>
+                  <a:schemeClr val="tx1"/>
+                </a:solidFill>
+                <a:latin typeface="ＭＳ Ｐ明朝" panose="02020600040205080304" pitchFamily="18" charset="-128"/>
+                <a:ea typeface="ＭＳ Ｐ明朝" panose="02020600040205080304" pitchFamily="18" charset="-128"/>
+              </a:rPr>
+              <a:t>　</a:t>
+            </a:r>
+            <a:r>
+              <a:rPr lang="ja-JP" altLang="en-US" sz="1600" dirty="0" smtClean="0">
+                <a:solidFill>
+                  <a:schemeClr val="tx1"/>
+                </a:solidFill>
+                <a:latin typeface="ＭＳ Ｐ明朝" panose="02020600040205080304" pitchFamily="18" charset="-128"/>
+                <a:ea typeface="ＭＳ Ｐ明朝" panose="02020600040205080304" pitchFamily="18" charset="-128"/>
+              </a:rPr>
+              <a:t>　・</a:t>
+            </a:r>
+            <a:r>
+              <a:rPr lang="ja-JP" altLang="en-US" sz="1600" dirty="0">
+                <a:solidFill>
+                  <a:schemeClr val="tx1"/>
+                </a:solidFill>
+                <a:latin typeface="ＭＳ Ｐ明朝" panose="02020600040205080304" pitchFamily="18" charset="-128"/>
+                <a:ea typeface="ＭＳ Ｐ明朝" panose="02020600040205080304" pitchFamily="18" charset="-128"/>
+              </a:rPr>
+              <a:t>自動ビルド</a:t>
+            </a:r>
+          </a:p>
+          <a:p>
+            <a:pPr marL="0" indent="0">
+              <a:buNone/>
+            </a:pPr>
+            <a:r>
+              <a:rPr lang="ja-JP" altLang="en-US" sz="1600" dirty="0" smtClean="0">
+                <a:solidFill>
+                  <a:schemeClr val="tx1"/>
+                </a:solidFill>
+                <a:latin typeface="ＭＳ Ｐ明朝" panose="02020600040205080304" pitchFamily="18" charset="-128"/>
+                <a:ea typeface="ＭＳ Ｐ明朝" panose="02020600040205080304" pitchFamily="18" charset="-128"/>
+              </a:rPr>
+              <a:t>　　・</a:t>
+            </a:r>
+            <a:r>
+              <a:rPr lang="ja-JP" altLang="en-US" sz="1600" dirty="0">
+                <a:solidFill>
+                  <a:schemeClr val="tx1"/>
+                </a:solidFill>
+                <a:latin typeface="ＭＳ Ｐ明朝" panose="02020600040205080304" pitchFamily="18" charset="-128"/>
+                <a:ea typeface="ＭＳ Ｐ明朝" panose="02020600040205080304" pitchFamily="18" charset="-128"/>
+              </a:rPr>
+              <a:t>テストの</a:t>
+            </a:r>
+            <a:r>
+              <a:rPr lang="ja-JP" altLang="en-US" sz="1600" dirty="0" smtClean="0">
+                <a:solidFill>
+                  <a:schemeClr val="tx1"/>
+                </a:solidFill>
+                <a:latin typeface="ＭＳ Ｐ明朝" panose="02020600040205080304" pitchFamily="18" charset="-128"/>
+                <a:ea typeface="ＭＳ Ｐ明朝" panose="02020600040205080304" pitchFamily="18" charset="-128"/>
+              </a:rPr>
+              <a:t>自動化</a:t>
             </a:r>
             <a:endParaRPr lang="en-US" altLang="ja-JP" sz="1600" dirty="0" smtClean="0">
               <a:solidFill>
@@ -5617,26 +6078,16 @@
               <a:t>　</a:t>
             </a:r>
             <a:r>
-              <a:rPr lang="ja-JP" altLang="en-US" sz="1600">
-                <a:solidFill>
-                  <a:schemeClr val="tx1"/>
-                </a:solidFill>
-                <a:latin typeface="ＭＳ Ｐ明朝" panose="02020600040205080304" pitchFamily="18" charset="-128"/>
-                <a:ea typeface="ＭＳ Ｐ明朝" panose="02020600040205080304" pitchFamily="18" charset="-128"/>
-              </a:rPr>
-              <a:t>　</a:t>
-            </a:r>
-            <a:r>
-              <a:rPr lang="ja-JP" altLang="en-US" sz="1600">
-                <a:solidFill>
-                  <a:schemeClr val="tx1"/>
-                </a:solidFill>
-                <a:latin typeface="ＭＳ Ｐ明朝" panose="02020600040205080304" pitchFamily="18" charset="-128"/>
-                <a:ea typeface="ＭＳ Ｐ明朝" panose="02020600040205080304" pitchFamily="18" charset="-128"/>
-              </a:rPr>
-              <a:t>・</a:t>
-            </a:r>
-            <a:endParaRPr lang="en-US" altLang="ja-JP" sz="1600" smtClean="0">
+              <a:rPr lang="ja-JP" altLang="en-US" sz="1600" dirty="0" smtClean="0">
+                <a:solidFill>
+                  <a:schemeClr val="tx1"/>
+                </a:solidFill>
+                <a:latin typeface="ＭＳ Ｐ明朝" panose="02020600040205080304" pitchFamily="18" charset="-128"/>
+                <a:ea typeface="ＭＳ Ｐ明朝" panose="02020600040205080304" pitchFamily="18" charset="-128"/>
+              </a:rPr>
+              <a:t>　・インスペクションを自動化する</a:t>
+            </a:r>
+            <a:endParaRPr lang="ja-JP" altLang="en-US" sz="1600" dirty="0">
               <a:solidFill>
                 <a:schemeClr val="tx1"/>
               </a:solidFill>
@@ -5644,12 +6095,37 @@
               <a:ea typeface="ＭＳ Ｐ明朝" panose="02020600040205080304" pitchFamily="18" charset="-128"/>
             </a:endParaRPr>
           </a:p>
+          <a:p>
+            <a:pPr marL="0" indent="0">
+              <a:buNone/>
+            </a:pPr>
+            <a:r>
+              <a:rPr lang="ja-JP" altLang="en-US" sz="1600" dirty="0" smtClean="0">
+                <a:solidFill>
+                  <a:schemeClr val="tx1"/>
+                </a:solidFill>
+                <a:latin typeface="ＭＳ Ｐ明朝" panose="02020600040205080304" pitchFamily="18" charset="-128"/>
+                <a:ea typeface="ＭＳ Ｐ明朝" panose="02020600040205080304" pitchFamily="18" charset="-128"/>
+              </a:rPr>
+              <a:t>　　・</a:t>
+            </a:r>
+            <a:r>
+              <a:rPr lang="ja-JP" altLang="en-US" sz="1600" dirty="0">
+                <a:solidFill>
+                  <a:schemeClr val="tx1"/>
+                </a:solidFill>
+                <a:latin typeface="ＭＳ Ｐ明朝" panose="02020600040205080304" pitchFamily="18" charset="-128"/>
+                <a:ea typeface="ＭＳ Ｐ明朝" panose="02020600040205080304" pitchFamily="18" charset="-128"/>
+              </a:rPr>
+              <a:t>結果集計（各種タイミングでの通知）</a:t>
+            </a:r>
+          </a:p>
         </p:txBody>
       </p:sp>
     </p:spTree>
     <p:extLst>
       <p:ext uri="{BB962C8B-B14F-4D97-AF65-F5344CB8AC3E}">
-        <p14:creationId xmlns:p14="http://schemas.microsoft.com/office/powerpoint/2010/main" val="2817594991"/>
+        <p14:creationId xmlns:p14="http://schemas.microsoft.com/office/powerpoint/2010/main" val="2630655138"/>
       </p:ext>
     </p:extLst>
   </p:cSld>

--- a/Jenkins.pptx
+++ b/Jenkins.pptx
@@ -5681,14 +5681,7 @@
                 <a:latin typeface="ＭＳ Ｐ明朝" panose="02020600040205080304" pitchFamily="18" charset="-128"/>
                 <a:ea typeface="ＭＳ Ｐ明朝" panose="02020600040205080304" pitchFamily="18" charset="-128"/>
               </a:rPr>
-              <a:t>　継続的インテグレーションサーバの基本的な機能となる、継続的にビルドを実行する機能を備えています</a:t>
-            </a:r>
-            <a:r>
-              <a:rPr lang="ja-JP" altLang="en-US" sz="1600" dirty="0" smtClean="0">
-                <a:latin typeface="ＭＳ Ｐ明朝" panose="02020600040205080304" pitchFamily="18" charset="-128"/>
-                <a:ea typeface="ＭＳ Ｐ明朝" panose="02020600040205080304" pitchFamily="18" charset="-128"/>
-              </a:rPr>
-              <a:t>。</a:t>
+              <a:t>　継続的インテグレーションサーバの基本的な機能となる、継続的にビルドを実行する機能を備えています。</a:t>
             </a:r>
             <a:r>
               <a:rPr lang="en-US" altLang="ja-JP" sz="1600" dirty="0">
@@ -6117,8 +6110,37 @@
                 <a:latin typeface="ＭＳ Ｐ明朝" panose="02020600040205080304" pitchFamily="18" charset="-128"/>
                 <a:ea typeface="ＭＳ Ｐ明朝" panose="02020600040205080304" pitchFamily="18" charset="-128"/>
               </a:rPr>
-              <a:t>結果集計（各種タイミングでの通知）</a:t>
-            </a:r>
+              <a:t>結果集計（各種タイミングでの通知</a:t>
+            </a:r>
+            <a:r>
+              <a:rPr lang="ja-JP" altLang="en-US" sz="1600" dirty="0" smtClean="0">
+                <a:solidFill>
+                  <a:schemeClr val="tx1"/>
+                </a:solidFill>
+                <a:latin typeface="ＭＳ Ｐ明朝" panose="02020600040205080304" pitchFamily="18" charset="-128"/>
+                <a:ea typeface="ＭＳ Ｐ明朝" panose="02020600040205080304" pitchFamily="18" charset="-128"/>
+              </a:rPr>
+              <a:t>）</a:t>
+            </a:r>
+            <a:endParaRPr lang="en-US" altLang="ja-JP" sz="1600" smtClean="0">
+              <a:solidFill>
+                <a:schemeClr val="tx1"/>
+              </a:solidFill>
+              <a:latin typeface="ＭＳ Ｐ明朝" panose="02020600040205080304" pitchFamily="18" charset="-128"/>
+              <a:ea typeface="ＭＳ Ｐ明朝" panose="02020600040205080304" pitchFamily="18" charset="-128"/>
+            </a:endParaRPr>
+          </a:p>
+          <a:p>
+            <a:pPr marL="0" indent="0">
+              <a:buNone/>
+            </a:pPr>
+            <a:endParaRPr lang="ja-JP" altLang="en-US" sz="1600" dirty="0">
+              <a:solidFill>
+                <a:schemeClr val="tx1"/>
+              </a:solidFill>
+              <a:latin typeface="ＭＳ Ｐ明朝" panose="02020600040205080304" pitchFamily="18" charset="-128"/>
+              <a:ea typeface="ＭＳ Ｐ明朝" panose="02020600040205080304" pitchFamily="18" charset="-128"/>
+            </a:endParaRPr>
           </a:p>
         </p:txBody>
       </p:sp>

--- a/Jenkins.pptx
+++ b/Jenkins.pptx
@@ -196,7 +196,7 @@
           <a:p>
             <a:fld id="{34F47978-E355-4E26-9032-77A51AF2C4B7}" type="datetimeFigureOut">
               <a:rPr kumimoji="1" lang="ja-JP" altLang="en-US" smtClean="0"/>
-              <a:t>2015/11/18</a:t>
+              <a:t>2016/1/12</a:t>
             </a:fld>
             <a:endParaRPr kumimoji="1" lang="ja-JP" altLang="en-US"/>
           </a:p>
@@ -772,7 +772,7 @@
           <a:p>
             <a:fld id="{FC2194C7-96E3-465C-9B1A-D25E59D01DEA}" type="datetimeFigureOut">
               <a:rPr kumimoji="1" lang="ja-JP" altLang="en-US" smtClean="0"/>
-              <a:t>2015/11/18</a:t>
+              <a:t>2016/1/12</a:t>
             </a:fld>
             <a:endParaRPr kumimoji="1" lang="ja-JP" altLang="en-US"/>
           </a:p>
@@ -969,7 +969,7 @@
           <a:p>
             <a:fld id="{FC2194C7-96E3-465C-9B1A-D25E59D01DEA}" type="datetimeFigureOut">
               <a:rPr kumimoji="1" lang="ja-JP" altLang="en-US" smtClean="0"/>
-              <a:t>2015/11/18</a:t>
+              <a:t>2016/1/12</a:t>
             </a:fld>
             <a:endParaRPr kumimoji="1" lang="ja-JP" altLang="en-US"/>
           </a:p>
@@ -1176,7 +1176,7 @@
           <a:p>
             <a:fld id="{FC2194C7-96E3-465C-9B1A-D25E59D01DEA}" type="datetimeFigureOut">
               <a:rPr kumimoji="1" lang="ja-JP" altLang="en-US" smtClean="0"/>
-              <a:t>2015/11/18</a:t>
+              <a:t>2016/1/12</a:t>
             </a:fld>
             <a:endParaRPr kumimoji="1" lang="ja-JP" altLang="en-US"/>
           </a:p>
@@ -1391,7 +1391,7 @@
           <a:p>
             <a:fld id="{FC2194C7-96E3-465C-9B1A-D25E59D01DEA}" type="datetimeFigureOut">
               <a:rPr kumimoji="1" lang="ja-JP" altLang="en-US" smtClean="0"/>
-              <a:t>2015/11/18</a:t>
+              <a:t>2016/1/12</a:t>
             </a:fld>
             <a:endParaRPr kumimoji="1" lang="ja-JP" altLang="en-US"/>
           </a:p>
@@ -1653,7 +1653,7 @@
           <a:p>
             <a:fld id="{FC2194C7-96E3-465C-9B1A-D25E59D01DEA}" type="datetimeFigureOut">
               <a:rPr kumimoji="1" lang="ja-JP" altLang="en-US" smtClean="0"/>
-              <a:t>2015/11/18</a:t>
+              <a:t>2016/1/12</a:t>
             </a:fld>
             <a:endParaRPr kumimoji="1" lang="ja-JP" altLang="en-US"/>
           </a:p>
@@ -2033,7 +2033,7 @@
           <a:p>
             <a:fld id="{FC2194C7-96E3-465C-9B1A-D25E59D01DEA}" type="datetimeFigureOut">
               <a:rPr kumimoji="1" lang="ja-JP" altLang="en-US" smtClean="0"/>
-              <a:t>2015/11/18</a:t>
+              <a:t>2016/1/12</a:t>
             </a:fld>
             <a:endParaRPr kumimoji="1" lang="ja-JP" altLang="en-US"/>
           </a:p>
@@ -2373,7 +2373,7 @@
           <a:p>
             <a:fld id="{FC2194C7-96E3-465C-9B1A-D25E59D01DEA}" type="datetimeFigureOut">
               <a:rPr kumimoji="1" lang="ja-JP" altLang="en-US" smtClean="0"/>
-              <a:t>2015/11/18</a:t>
+              <a:t>2016/1/12</a:t>
             </a:fld>
             <a:endParaRPr kumimoji="1" lang="ja-JP" altLang="en-US"/>
           </a:p>
@@ -2664,7 +2664,7 @@
           <a:p>
             <a:fld id="{FC2194C7-96E3-465C-9B1A-D25E59D01DEA}" type="datetimeFigureOut">
               <a:rPr kumimoji="1" lang="ja-JP" altLang="en-US" smtClean="0"/>
-              <a:t>2015/11/18</a:t>
+              <a:t>2016/1/12</a:t>
             </a:fld>
             <a:endParaRPr kumimoji="1" lang="ja-JP" altLang="en-US"/>
           </a:p>
@@ -2754,7 +2754,7 @@
           <a:p>
             <a:fld id="{FC2194C7-96E3-465C-9B1A-D25E59D01DEA}" type="datetimeFigureOut">
               <a:rPr kumimoji="1" lang="ja-JP" altLang="en-US" smtClean="0"/>
-              <a:t>2015/11/18</a:t>
+              <a:t>2016/1/12</a:t>
             </a:fld>
             <a:endParaRPr kumimoji="1" lang="ja-JP" altLang="en-US"/>
           </a:p>
@@ -3074,7 +3074,7 @@
           <a:p>
             <a:fld id="{FC2194C7-96E3-465C-9B1A-D25E59D01DEA}" type="datetimeFigureOut">
               <a:rPr kumimoji="1" lang="ja-JP" altLang="en-US" smtClean="0"/>
-              <a:t>2015/11/18</a:t>
+              <a:t>2016/1/12</a:t>
             </a:fld>
             <a:endParaRPr kumimoji="1" lang="ja-JP" altLang="en-US"/>
           </a:p>
@@ -3343,7 +3343,7 @@
           <a:p>
             <a:fld id="{FC2194C7-96E3-465C-9B1A-D25E59D01DEA}" type="datetimeFigureOut">
               <a:rPr kumimoji="1" lang="ja-JP" altLang="en-US" smtClean="0"/>
-              <a:t>2015/11/18</a:t>
+              <a:t>2016/1/12</a:t>
             </a:fld>
             <a:endParaRPr kumimoji="1" lang="ja-JP" altLang="en-US"/>
           </a:p>
@@ -3585,7 +3585,7 @@
           <a:p>
             <a:fld id="{FC2194C7-96E3-465C-9B1A-D25E59D01DEA}" type="datetimeFigureOut">
               <a:rPr kumimoji="1" lang="ja-JP" altLang="en-US" smtClean="0"/>
-              <a:t>2015/11/18</a:t>
+              <a:t>2016/1/12</a:t>
             </a:fld>
             <a:endParaRPr kumimoji="1" lang="ja-JP" altLang="en-US"/>
           </a:p>
@@ -6122,6 +6122,18 @@
               </a:rPr>
               <a:t>）</a:t>
             </a:r>
+            <a:endParaRPr lang="en-US" altLang="ja-JP" sz="1600" dirty="0" smtClean="0">
+              <a:solidFill>
+                <a:schemeClr val="tx1"/>
+              </a:solidFill>
+              <a:latin typeface="ＭＳ Ｐ明朝" panose="02020600040205080304" pitchFamily="18" charset="-128"/>
+              <a:ea typeface="ＭＳ Ｐ明朝" panose="02020600040205080304" pitchFamily="18" charset="-128"/>
+            </a:endParaRPr>
+          </a:p>
+          <a:p>
+            <a:pPr marL="0" indent="0">
+              <a:buNone/>
+            </a:pPr>
             <a:endParaRPr lang="en-US" altLang="ja-JP" sz="1600" smtClean="0">
               <a:solidFill>
                 <a:schemeClr val="tx1"/>

--- a/Jenkins.pptx
+++ b/Jenkins.pptx
@@ -6134,7 +6134,31 @@
             <a:pPr marL="0" indent="0">
               <a:buNone/>
             </a:pPr>
-            <a:endParaRPr lang="en-US" altLang="ja-JP" sz="1600" smtClean="0">
+            <a:endParaRPr lang="en-US" altLang="ja-JP" sz="1600">
+              <a:solidFill>
+                <a:schemeClr val="tx1"/>
+              </a:solidFill>
+              <a:latin typeface="ＭＳ Ｐ明朝" panose="02020600040205080304" pitchFamily="18" charset="-128"/>
+              <a:ea typeface="ＭＳ Ｐ明朝" panose="02020600040205080304" pitchFamily="18" charset="-128"/>
+            </a:endParaRPr>
+          </a:p>
+          <a:p>
+            <a:pPr marL="0" indent="0">
+              <a:buNone/>
+            </a:pPr>
+            <a:endParaRPr lang="en-US" altLang="ja-JP" sz="1600" dirty="0" smtClean="0">
+              <a:solidFill>
+                <a:schemeClr val="tx1"/>
+              </a:solidFill>
+              <a:latin typeface="ＭＳ Ｐ明朝" panose="02020600040205080304" pitchFamily="18" charset="-128"/>
+              <a:ea typeface="ＭＳ Ｐ明朝" panose="02020600040205080304" pitchFamily="18" charset="-128"/>
+            </a:endParaRPr>
+          </a:p>
+          <a:p>
+            <a:pPr marL="0" indent="0">
+              <a:buNone/>
+            </a:pPr>
+            <a:endParaRPr lang="en-US" altLang="ja-JP" sz="1600" dirty="0" smtClean="0">
               <a:solidFill>
                 <a:schemeClr val="tx1"/>
               </a:solidFill>
